--- a/docs/diagrams/Diagrams.pptx
+++ b/docs/diagrams/Diagrams.pptx
@@ -118,7 +118,7 @@
   </p:defaultTextStyle>
   <p:extLst>
     <p:ext uri="{EFAFB233-063F-42B5-8137-9DF3F51BA10A}">
-      <p15:sldGuideLst xmlns:p15="http://schemas.microsoft.com/office/powerpoint/2012/main" xmlns="">
+      <p15:sldGuideLst xmlns:p15="http://schemas.microsoft.com/office/powerpoint/2012/main">
         <p15:guide id="1" orient="horz" pos="1488">
           <p15:clr>
             <a:srgbClr val="A4A3A4"/>
@@ -217,7 +217,7 @@
           <a:p>
             <a:fld id="{F5CC4B3F-88C1-4FFA-B1B6-F41C21DC6924}" type="datetimeFigureOut">
               <a:rPr lang="en-US" smtClean="0"/>
-              <a:t>10/22/2016</a:t>
+              <a:t>10/27/16</a:t>
             </a:fld>
             <a:endParaRPr lang="en-US"/>
           </a:p>
@@ -666,7 +666,7 @@
           <a:p>
             <a:fld id="{78C97017-6FC3-485B-9764-EAC9E56C1D49}" type="datetimeFigureOut">
               <a:rPr lang="en-US" smtClean="0"/>
-              <a:t>10/22/2016</a:t>
+              <a:t>10/27/16</a:t>
             </a:fld>
             <a:endParaRPr lang="en-US"/>
           </a:p>
@@ -836,7 +836,7 @@
           <a:p>
             <a:fld id="{78C97017-6FC3-485B-9764-EAC9E56C1D49}" type="datetimeFigureOut">
               <a:rPr lang="en-US" smtClean="0"/>
-              <a:t>10/22/2016</a:t>
+              <a:t>10/27/16</a:t>
             </a:fld>
             <a:endParaRPr lang="en-US"/>
           </a:p>
@@ -1016,7 +1016,7 @@
           <a:p>
             <a:fld id="{78C97017-6FC3-485B-9764-EAC9E56C1D49}" type="datetimeFigureOut">
               <a:rPr lang="en-US" smtClean="0"/>
-              <a:t>10/22/2016</a:t>
+              <a:t>10/27/16</a:t>
             </a:fld>
             <a:endParaRPr lang="en-US"/>
           </a:p>
@@ -1186,7 +1186,7 @@
           <a:p>
             <a:fld id="{78C97017-6FC3-485B-9764-EAC9E56C1D49}" type="datetimeFigureOut">
               <a:rPr lang="en-US" smtClean="0"/>
-              <a:t>10/22/2016</a:t>
+              <a:t>10/27/16</a:t>
             </a:fld>
             <a:endParaRPr lang="en-US"/>
           </a:p>
@@ -1432,7 +1432,7 @@
           <a:p>
             <a:fld id="{78C97017-6FC3-485B-9764-EAC9E56C1D49}" type="datetimeFigureOut">
               <a:rPr lang="en-US" smtClean="0"/>
-              <a:t>10/22/2016</a:t>
+              <a:t>10/27/16</a:t>
             </a:fld>
             <a:endParaRPr lang="en-US"/>
           </a:p>
@@ -1720,7 +1720,7 @@
           <a:p>
             <a:fld id="{78C97017-6FC3-485B-9764-EAC9E56C1D49}" type="datetimeFigureOut">
               <a:rPr lang="en-US" smtClean="0"/>
-              <a:t>10/22/2016</a:t>
+              <a:t>10/27/16</a:t>
             </a:fld>
             <a:endParaRPr lang="en-US"/>
           </a:p>
@@ -2142,7 +2142,7 @@
           <a:p>
             <a:fld id="{78C97017-6FC3-485B-9764-EAC9E56C1D49}" type="datetimeFigureOut">
               <a:rPr lang="en-US" smtClean="0"/>
-              <a:t>10/22/2016</a:t>
+              <a:t>10/27/16</a:t>
             </a:fld>
             <a:endParaRPr lang="en-US"/>
           </a:p>
@@ -2260,7 +2260,7 @@
           <a:p>
             <a:fld id="{78C97017-6FC3-485B-9764-EAC9E56C1D49}" type="datetimeFigureOut">
               <a:rPr lang="en-US" smtClean="0"/>
-              <a:t>10/22/2016</a:t>
+              <a:t>10/27/16</a:t>
             </a:fld>
             <a:endParaRPr lang="en-US"/>
           </a:p>
@@ -2355,7 +2355,7 @@
           <a:p>
             <a:fld id="{78C97017-6FC3-485B-9764-EAC9E56C1D49}" type="datetimeFigureOut">
               <a:rPr lang="en-US" smtClean="0"/>
-              <a:t>10/22/2016</a:t>
+              <a:t>10/27/16</a:t>
             </a:fld>
             <a:endParaRPr lang="en-US"/>
           </a:p>
@@ -2632,7 +2632,7 @@
           <a:p>
             <a:fld id="{78C97017-6FC3-485B-9764-EAC9E56C1D49}" type="datetimeFigureOut">
               <a:rPr lang="en-US" smtClean="0"/>
-              <a:t>10/22/2016</a:t>
+              <a:t>10/27/16</a:t>
             </a:fld>
             <a:endParaRPr lang="en-US"/>
           </a:p>
@@ -2885,7 +2885,7 @@
           <a:p>
             <a:fld id="{78C97017-6FC3-485B-9764-EAC9E56C1D49}" type="datetimeFigureOut">
               <a:rPr lang="en-US" smtClean="0"/>
-              <a:t>10/22/2016</a:t>
+              <a:t>10/27/16</a:t>
             </a:fld>
             <a:endParaRPr lang="en-US"/>
           </a:p>
@@ -3098,7 +3098,7 @@
           <a:p>
             <a:fld id="{78C97017-6FC3-485B-9764-EAC9E56C1D49}" type="datetimeFigureOut">
               <a:rPr lang="en-US" smtClean="0"/>
-              <a:t>10/22/2016</a:t>
+              <a:t>10/27/16</a:t>
             </a:fld>
             <a:endParaRPr lang="en-US"/>
           </a:p>
@@ -4014,13 +4014,6 @@
                   </a:rPr>
                   <a:t>)</a:t>
                 </a:r>
-                <a:endParaRPr lang="en-US" sz="1400" dirty="0">
-                  <a:solidFill>
-                    <a:schemeClr val="accent5">
-                      <a:lumMod val="75000"/>
-                    </a:schemeClr>
-                  </a:solidFill>
-                </a:endParaRPr>
               </a:p>
             </p:txBody>
           </p:sp>
@@ -4688,13 +4681,6 @@
                 </a:rPr>
                 <a:t>)</a:t>
               </a:r>
-              <a:endParaRPr lang="en-US" sz="1400" dirty="0">
-                <a:solidFill>
-                  <a:schemeClr val="accent6">
-                    <a:lumMod val="75000"/>
-                  </a:schemeClr>
-                </a:solidFill>
-              </a:endParaRPr>
             </a:p>
           </p:txBody>
         </p:sp>
@@ -4950,15 +4936,7 @@
                       <a:srgbClr val="7030A0"/>
                     </a:solidFill>
                   </a:rPr>
-                  <a:t>Update </a:t>
-                </a:r>
-                <a:r>
-                  <a:rPr lang="en-US" sz="1400" dirty="0" smtClean="0">
-                    <a:solidFill>
-                      <a:srgbClr val="7030A0"/>
-                    </a:solidFill>
-                  </a:rPr>
-                  <a:t>task list</a:t>
+                  <a:t>Update task list</a:t>
                 </a:r>
                 <a:endParaRPr lang="en-US" sz="1400" dirty="0">
                   <a:solidFill>
@@ -14880,7 +14858,7 @@
         </p:nvSpPr>
         <p:spPr>
           <a:xfrm>
-            <a:off x="1119865" y="1727200"/>
+            <a:off x="1098094" y="1706226"/>
             <a:ext cx="7490735" cy="2997200"/>
           </a:xfrm>
           <a:prstGeom prst="roundRect">
@@ -15097,19 +15075,19 @@
         <p:nvCxnSpPr>
           <p:cNvPr id="107" name="Elbow Connector 106"/>
           <p:cNvCxnSpPr>
-            <a:stCxn id="9" idx="1"/>
+            <a:stCxn id="65" idx="3"/>
           </p:cNvCxnSpPr>
           <p:nvPr/>
         </p:nvCxnSpPr>
         <p:spPr>
           <a:xfrm rot="5400000" flipH="1" flipV="1">
-            <a:off x="4360065" y="1080909"/>
-            <a:ext cx="378691" cy="4637261"/>
+            <a:off x="4218789" y="1205967"/>
+            <a:ext cx="627156" cy="4610775"/>
           </a:xfrm>
           <a:prstGeom prst="bentConnector4">
             <a:avLst>
-              <a:gd name="adj1" fmla="val -101829"/>
-              <a:gd name="adj2" fmla="val 99976"/>
+              <a:gd name="adj1" fmla="val -36450"/>
+              <a:gd name="adj2" fmla="val 100010"/>
             </a:avLst>
           </a:prstGeom>
           <a:ln w="19050">
@@ -16265,7 +16243,7 @@
         </p:nvSpPr>
         <p:spPr>
           <a:xfrm>
-            <a:off x="7694900" y="2897160"/>
+            <a:off x="7691554" y="2795516"/>
             <a:ext cx="708186" cy="285783"/>
           </a:xfrm>
           <a:prstGeom prst="rect">
@@ -16321,7 +16299,7 @@
         </p:nvSpPr>
         <p:spPr>
           <a:xfrm>
-            <a:off x="7041947" y="2948201"/>
+            <a:off x="7028246" y="2847371"/>
             <a:ext cx="236048" cy="173380"/>
           </a:xfrm>
           <a:prstGeom prst="flowChartDecision">
@@ -16368,7 +16346,7 @@
         </p:nvCxnSpPr>
         <p:spPr>
           <a:xfrm flipV="1">
-            <a:off x="7292440" y="3040052"/>
+            <a:off x="7270677" y="2926112"/>
             <a:ext cx="434402" cy="4783"/>
           </a:xfrm>
           <a:prstGeom prst="bentConnector3">
@@ -16562,45 +16540,6 @@
       </p:sp>
       <p:sp>
         <p:nvSpPr>
-          <p:cNvPr id="114" name="TextBox 113"/>
-          <p:cNvSpPr txBox="1"/>
-          <p:nvPr/>
-        </p:nvSpPr>
-        <p:spPr>
-          <a:xfrm rot="16200000">
-            <a:off x="6581354" y="3514530"/>
-            <a:ext cx="881018" cy="261610"/>
-          </a:xfrm>
-          <a:prstGeom prst="rect">
-            <a:avLst/>
-          </a:prstGeom>
-          <a:noFill/>
-        </p:spPr>
-        <p:txBody>
-          <a:bodyPr wrap="square" rtlCol="0">
-            <a:spAutoFit/>
-          </a:bodyPr>
-          <a:lstStyle/>
-          <a:p>
-            <a:pPr algn="r"/>
-            <a:r>
-              <a:rPr lang="en-US" sz="1100" dirty="0" smtClean="0">
-                <a:solidFill>
-                  <a:srgbClr val="7030A0"/>
-                </a:solidFill>
-              </a:rPr>
-              <a:t>filtered list</a:t>
-            </a:r>
-            <a:endParaRPr lang="en-SG" sz="1100" dirty="0">
-              <a:solidFill>
-                <a:srgbClr val="7030A0"/>
-              </a:solidFill>
-            </a:endParaRPr>
-          </a:p>
-        </p:txBody>
-      </p:sp>
-      <p:sp>
-        <p:nvSpPr>
           <p:cNvPr id="122" name="Rectangle 8"/>
           <p:cNvSpPr/>
           <p:nvPr/>
@@ -16720,6 +16659,363 @@
           </a:fontRef>
         </p:style>
       </p:cxnSp>
+      <p:cxnSp>
+        <p:nvCxnSpPr>
+          <p:cNvPr id="41" name="Elbow Connector 40"/>
+          <p:cNvCxnSpPr/>
+          <p:nvPr/>
+        </p:nvCxnSpPr>
+        <p:spPr>
+          <a:xfrm rot="10800000">
+            <a:off x="7021863" y="3113708"/>
+            <a:ext cx="605832" cy="496936"/>
+          </a:xfrm>
+          <a:prstGeom prst="bentConnector3">
+            <a:avLst>
+              <a:gd name="adj1" fmla="val 50000"/>
+            </a:avLst>
+          </a:prstGeom>
+          <a:ln w="19050">
+            <a:solidFill>
+              <a:srgbClr val="7030A0"/>
+            </a:solidFill>
+            <a:prstDash val="solid"/>
+            <a:headEnd type="none" w="med" len="med"/>
+            <a:tailEnd type="arrow" w="med" len="med"/>
+          </a:ln>
+          <a:effectLst/>
+        </p:spPr>
+        <p:style>
+          <a:lnRef idx="1">
+            <a:schemeClr val="accent2"/>
+          </a:lnRef>
+          <a:fillRef idx="2">
+            <a:schemeClr val="accent2"/>
+          </a:fillRef>
+          <a:effectRef idx="1">
+            <a:schemeClr val="accent2"/>
+          </a:effectRef>
+          <a:fontRef idx="minor">
+            <a:schemeClr val="dk1"/>
+          </a:fontRef>
+        </p:style>
+      </p:cxnSp>
+      <p:sp>
+        <p:nvSpPr>
+          <p:cNvPr id="50" name="Rectangle 8"/>
+          <p:cNvSpPr/>
+          <p:nvPr/>
+        </p:nvSpPr>
+        <p:spPr>
+          <a:xfrm>
+            <a:off x="7632418" y="3447339"/>
+            <a:ext cx="708186" cy="346760"/>
+          </a:xfrm>
+          <a:prstGeom prst="rect">
+            <a:avLst/>
+          </a:prstGeom>
+          <a:ln w="19050">
+            <a:solidFill>
+              <a:srgbClr val="7030A0"/>
+            </a:solidFill>
+          </a:ln>
+          <a:effectLst/>
+        </p:spPr>
+        <p:style>
+          <a:lnRef idx="1">
+            <a:schemeClr val="accent4"/>
+          </a:lnRef>
+          <a:fillRef idx="2">
+            <a:schemeClr val="accent4"/>
+          </a:fillRef>
+          <a:effectRef idx="1">
+            <a:schemeClr val="accent4"/>
+          </a:effectRef>
+          <a:fontRef idx="minor">
+            <a:schemeClr val="dk1"/>
+          </a:fontRef>
+        </p:style>
+        <p:txBody>
+          <a:bodyPr rtlCol="0" anchor="ctr"/>
+          <a:lstStyle/>
+          <a:p>
+            <a:pPr algn="ctr"/>
+            <a:r>
+              <a:rPr lang="en-US" altLang="zh-CN" sz="1050" dirty="0" smtClean="0">
+                <a:solidFill>
+                  <a:srgbClr val="7030A0"/>
+                </a:solidFill>
+              </a:rPr>
+              <a:t>Recurring</a:t>
+            </a:r>
+            <a:r>
+              <a:rPr lang="en-US" sz="1050" dirty="0" smtClean="0">
+                <a:solidFill>
+                  <a:srgbClr val="7030A0"/>
+                </a:solidFill>
+              </a:rPr>
+              <a:t>Task</a:t>
+            </a:r>
+            <a:endParaRPr lang="en-SG" sz="1050" dirty="0">
+              <a:solidFill>
+                <a:srgbClr val="7030A0"/>
+              </a:solidFill>
+            </a:endParaRPr>
+          </a:p>
+        </p:txBody>
+      </p:sp>
+      <p:cxnSp>
+        <p:nvCxnSpPr>
+          <p:cNvPr id="52" name="Elbow Connector 51"/>
+          <p:cNvCxnSpPr/>
+          <p:nvPr/>
+        </p:nvCxnSpPr>
+        <p:spPr>
+          <a:xfrm rot="5400000" flipH="1" flipV="1">
+            <a:off x="7838961" y="3936488"/>
+            <a:ext cx="296908" cy="1804"/>
+          </a:xfrm>
+          <a:prstGeom prst="bentConnector3">
+            <a:avLst>
+              <a:gd name="adj1" fmla="val 50000"/>
+            </a:avLst>
+          </a:prstGeom>
+          <a:ln w="19050">
+            <a:solidFill>
+              <a:srgbClr val="7030A0"/>
+            </a:solidFill>
+            <a:prstDash val="solid"/>
+            <a:headEnd type="none" w="med" len="med"/>
+            <a:tailEnd type="arrow" w="med" len="med"/>
+          </a:ln>
+          <a:effectLst/>
+        </p:spPr>
+        <p:style>
+          <a:lnRef idx="1">
+            <a:schemeClr val="accent2"/>
+          </a:lnRef>
+          <a:fillRef idx="2">
+            <a:schemeClr val="accent2"/>
+          </a:fillRef>
+          <a:effectRef idx="1">
+            <a:schemeClr val="accent2"/>
+          </a:effectRef>
+          <a:fontRef idx="minor">
+            <a:schemeClr val="dk1"/>
+          </a:fontRef>
+        </p:style>
+      </p:cxnSp>
+      <p:sp>
+        <p:nvSpPr>
+          <p:cNvPr id="56" name="Rectangle 8"/>
+          <p:cNvSpPr/>
+          <p:nvPr/>
+        </p:nvSpPr>
+        <p:spPr>
+          <a:xfrm>
+            <a:off x="7491211" y="4085844"/>
+            <a:ext cx="990599" cy="408742"/>
+          </a:xfrm>
+          <a:prstGeom prst="rect">
+            <a:avLst/>
+          </a:prstGeom>
+          <a:ln w="19050">
+            <a:solidFill>
+              <a:srgbClr val="7030A0"/>
+            </a:solidFill>
+          </a:ln>
+          <a:effectLst/>
+        </p:spPr>
+        <p:style>
+          <a:lnRef idx="1">
+            <a:schemeClr val="accent4"/>
+          </a:lnRef>
+          <a:fillRef idx="2">
+            <a:schemeClr val="accent4"/>
+          </a:fillRef>
+          <a:effectRef idx="1">
+            <a:schemeClr val="accent4"/>
+          </a:effectRef>
+          <a:fontRef idx="minor">
+            <a:schemeClr val="dk1"/>
+          </a:fontRef>
+        </p:style>
+        <p:txBody>
+          <a:bodyPr rtlCol="0" anchor="ctr"/>
+          <a:lstStyle/>
+          <a:p>
+            <a:pPr algn="ctr"/>
+            <a:r>
+              <a:rPr lang="en-US" altLang="zh-CN" sz="1050" dirty="0" smtClean="0">
+                <a:solidFill>
+                  <a:srgbClr val="7030A0"/>
+                </a:solidFill>
+              </a:rPr>
+              <a:t>ChildRecurring</a:t>
+            </a:r>
+            <a:r>
+              <a:rPr lang="en-US" sz="1050" dirty="0" smtClean="0">
+                <a:solidFill>
+                  <a:srgbClr val="7030A0"/>
+                </a:solidFill>
+              </a:rPr>
+              <a:t>Task</a:t>
+            </a:r>
+            <a:endParaRPr lang="en-SG" sz="1050" dirty="0">
+              <a:solidFill>
+                <a:srgbClr val="7030A0"/>
+              </a:solidFill>
+            </a:endParaRPr>
+          </a:p>
+        </p:txBody>
+      </p:sp>
+      <p:sp>
+        <p:nvSpPr>
+          <p:cNvPr id="60" name="Isosceles Triangle 102"/>
+          <p:cNvSpPr/>
+          <p:nvPr/>
+        </p:nvSpPr>
+        <p:spPr>
+          <a:xfrm rot="5400000" flipV="1">
+            <a:off x="7020433" y="3047823"/>
+            <a:ext cx="161060" cy="126753"/>
+          </a:xfrm>
+          <a:prstGeom prst="triangle">
+            <a:avLst/>
+          </a:prstGeom>
+          <a:solidFill>
+            <a:srgbClr val="7030A0"/>
+          </a:solidFill>
+          <a:ln w="19050">
+            <a:solidFill>
+              <a:srgbClr val="7030A0"/>
+            </a:solidFill>
+          </a:ln>
+          <a:effectLst/>
+        </p:spPr>
+        <p:style>
+          <a:lnRef idx="1">
+            <a:schemeClr val="accent4"/>
+          </a:lnRef>
+          <a:fillRef idx="2">
+            <a:schemeClr val="accent4"/>
+          </a:fillRef>
+          <a:effectRef idx="1">
+            <a:schemeClr val="accent4"/>
+          </a:effectRef>
+          <a:fontRef idx="minor">
+            <a:schemeClr val="dk1"/>
+          </a:fontRef>
+        </p:style>
+        <p:txBody>
+          <a:bodyPr rtlCol="0" anchor="ctr"/>
+          <a:lstStyle/>
+          <a:p>
+            <a:pPr algn="ctr"/>
+            <a:endParaRPr lang="en-SG" sz="1050" b="1">
+              <a:solidFill>
+                <a:srgbClr val="92D050"/>
+              </a:solidFill>
+            </a:endParaRPr>
+          </a:p>
+        </p:txBody>
+      </p:sp>
+      <p:sp>
+        <p:nvSpPr>
+          <p:cNvPr id="61" name="Isosceles Triangle 102"/>
+          <p:cNvSpPr/>
+          <p:nvPr/>
+        </p:nvSpPr>
+        <p:spPr>
+          <a:xfrm rot="10800000" flipV="1">
+            <a:off x="7890687" y="3793285"/>
+            <a:ext cx="191646" cy="141210"/>
+          </a:xfrm>
+          <a:prstGeom prst="triangle">
+            <a:avLst/>
+          </a:prstGeom>
+          <a:solidFill>
+            <a:srgbClr val="7030A0"/>
+          </a:solidFill>
+          <a:ln w="19050">
+            <a:solidFill>
+              <a:srgbClr val="7030A0"/>
+            </a:solidFill>
+          </a:ln>
+          <a:effectLst/>
+        </p:spPr>
+        <p:style>
+          <a:lnRef idx="1">
+            <a:schemeClr val="accent4"/>
+          </a:lnRef>
+          <a:fillRef idx="2">
+            <a:schemeClr val="accent4"/>
+          </a:fillRef>
+          <a:effectRef idx="1">
+            <a:schemeClr val="accent4"/>
+          </a:effectRef>
+          <a:fontRef idx="minor">
+            <a:schemeClr val="dk1"/>
+          </a:fontRef>
+        </p:style>
+        <p:txBody>
+          <a:bodyPr rtlCol="0" anchor="ctr"/>
+          <a:lstStyle/>
+          <a:p>
+            <a:pPr algn="ctr"/>
+            <a:endParaRPr lang="en-SG" sz="1050" b="1">
+              <a:solidFill>
+                <a:srgbClr val="92D050"/>
+              </a:solidFill>
+            </a:endParaRPr>
+          </a:p>
+        </p:txBody>
+      </p:sp>
+      <p:sp>
+        <p:nvSpPr>
+          <p:cNvPr id="65" name="Flowchart: Decision 96"/>
+          <p:cNvSpPr/>
+          <p:nvPr/>
+        </p:nvSpPr>
+        <p:spPr>
+          <a:xfrm rot="5400000">
+            <a:off x="2108956" y="3620219"/>
+            <a:ext cx="236048" cy="173380"/>
+          </a:xfrm>
+          <a:prstGeom prst="flowChartDecision">
+            <a:avLst/>
+          </a:prstGeom>
+          <a:noFill/>
+          <a:ln w="19050">
+            <a:solidFill>
+              <a:srgbClr val="7030A0"/>
+            </a:solidFill>
+          </a:ln>
+          <a:effectLst/>
+        </p:spPr>
+        <p:style>
+          <a:lnRef idx="1">
+            <a:schemeClr val="accent6"/>
+          </a:lnRef>
+          <a:fillRef idx="2">
+            <a:schemeClr val="accent6"/>
+          </a:fillRef>
+          <a:effectRef idx="1">
+            <a:schemeClr val="accent6"/>
+          </a:effectRef>
+          <a:fontRef idx="minor">
+            <a:schemeClr val="dk1"/>
+          </a:fontRef>
+        </p:style>
+        <p:txBody>
+          <a:bodyPr rtlCol="0" anchor="ctr"/>
+          <a:lstStyle/>
+          <a:p>
+            <a:pPr algn="ctr"/>
+            <a:endParaRPr lang="en-US" sz="1050"/>
+          </a:p>
+        </p:txBody>
+      </p:sp>
     </p:spTree>
     <p:extLst>
       <p:ext uri="{BB962C8B-B14F-4D97-AF65-F5344CB8AC3E}">

--- a/docs/diagrams/Diagrams.pptx
+++ b/docs/diagrams/Diagrams.pptx
@@ -14858,7 +14858,7 @@
         </p:nvSpPr>
         <p:spPr>
           <a:xfrm>
-            <a:off x="1098094" y="1706226"/>
+            <a:off x="1119865" y="1741246"/>
             <a:ext cx="7490735" cy="2997200"/>
           </a:xfrm>
           <a:prstGeom prst="roundRect">
@@ -15040,8 +15040,8 @@
         </p:nvCxnSpPr>
         <p:spPr>
           <a:xfrm flipV="1">
-            <a:off x="6477000" y="3204826"/>
-            <a:ext cx="190770" cy="405819"/>
+            <a:off x="6477000" y="2977300"/>
+            <a:ext cx="168702" cy="633345"/>
           </a:xfrm>
           <a:prstGeom prst="bentConnector2">
             <a:avLst/>
@@ -15081,13 +15081,13 @@
         </p:nvCxnSpPr>
         <p:spPr>
           <a:xfrm rot="5400000" flipH="1" flipV="1">
-            <a:off x="4218789" y="1205967"/>
-            <a:ext cx="627156" cy="4610775"/>
+            <a:off x="4103397" y="1112292"/>
+            <a:ext cx="836224" cy="4589058"/>
           </a:xfrm>
           <a:prstGeom prst="bentConnector4">
             <a:avLst>
-              <a:gd name="adj1" fmla="val -36450"/>
-              <a:gd name="adj2" fmla="val 100010"/>
+              <a:gd name="adj1" fmla="val -27337"/>
+              <a:gd name="adj2" fmla="val 100047"/>
             </a:avLst>
           </a:prstGeom>
           <a:ln w="19050">
@@ -15232,48 +15232,6 @@
           </a:p>
         </p:txBody>
       </p:sp>
-      <p:cxnSp>
-        <p:nvCxnSpPr>
-          <p:cNvPr id="55" name="Straight Arrow Connector 54"/>
-          <p:cNvCxnSpPr>
-            <a:stCxn id="62" idx="0"/>
-            <a:endCxn id="67" idx="2"/>
-          </p:cNvCxnSpPr>
-          <p:nvPr/>
-        </p:nvCxnSpPr>
-        <p:spPr>
-          <a:xfrm flipV="1">
-            <a:off x="6667770" y="2632344"/>
-            <a:ext cx="1612" cy="225722"/>
-          </a:xfrm>
-          <a:prstGeom prst="straightConnector1">
-            <a:avLst/>
-          </a:prstGeom>
-          <a:ln w="19050">
-            <a:solidFill>
-              <a:srgbClr val="7030A0"/>
-            </a:solidFill>
-            <a:prstDash val="sysDot"/>
-            <a:headEnd type="none" w="med" len="med"/>
-            <a:tailEnd type="arrow" w="med" len="med"/>
-          </a:ln>
-          <a:effectLst/>
-        </p:spPr>
-        <p:style>
-          <a:lnRef idx="1">
-            <a:schemeClr val="accent2"/>
-          </a:lnRef>
-          <a:fillRef idx="2">
-            <a:schemeClr val="accent2"/>
-          </a:fillRef>
-          <a:effectRef idx="1">
-            <a:schemeClr val="accent2"/>
-          </a:effectRef>
-          <a:fontRef idx="minor">
-            <a:schemeClr val="dk1"/>
-          </a:fontRef>
-        </p:style>
-      </p:cxnSp>
       <p:cxnSp>
         <p:nvCxnSpPr>
           <p:cNvPr id="58" name="Straight Arrow Connector 57"/>
@@ -15645,7 +15603,7 @@
         </p:nvSpPr>
         <p:spPr>
           <a:xfrm>
-            <a:off x="4487017" y="2847371"/>
+            <a:off x="4576891" y="2617726"/>
             <a:ext cx="1156969" cy="346760"/>
           </a:xfrm>
           <a:prstGeom prst="rect">
@@ -15743,19 +15701,18 @@
       <p:cxnSp>
         <p:nvCxnSpPr>
           <p:cNvPr id="30" name="Elbow Connector 29"/>
-          <p:cNvCxnSpPr>
-            <a:stCxn id="51" idx="3"/>
-            <a:endCxn id="49" idx="1"/>
-          </p:cNvCxnSpPr>
+          <p:cNvCxnSpPr/>
           <p:nvPr/>
         </p:nvCxnSpPr>
         <p:spPr>
           <a:xfrm>
-            <a:off x="4220351" y="2760681"/>
-            <a:ext cx="266666" cy="260070"/>
+            <a:off x="4218027" y="2745468"/>
+            <a:ext cx="356540" cy="30425"/>
           </a:xfrm>
           <a:prstGeom prst="bentConnector3">
-            <a:avLst/>
+            <a:avLst>
+              <a:gd name="adj1" fmla="val -12553"/>
+            </a:avLst>
           </a:prstGeom>
           <a:ln w="19050">
             <a:solidFill>
@@ -15783,112 +15740,13 @@
       </p:cxnSp>
       <p:sp>
         <p:nvSpPr>
-          <p:cNvPr id="57" name="Rectangle 8"/>
-          <p:cNvSpPr/>
-          <p:nvPr/>
-        </p:nvSpPr>
-        <p:spPr>
-          <a:xfrm>
-            <a:off x="4503204" y="2280569"/>
-            <a:ext cx="1156969" cy="346760"/>
-          </a:xfrm>
-          <a:prstGeom prst="rect">
-            <a:avLst/>
-          </a:prstGeom>
-          <a:ln w="19050">
-            <a:solidFill>
-              <a:srgbClr val="7030A0"/>
-            </a:solidFill>
-          </a:ln>
-          <a:effectLst/>
-        </p:spPr>
-        <p:style>
-          <a:lnRef idx="1">
-            <a:schemeClr val="accent4"/>
-          </a:lnRef>
-          <a:fillRef idx="2">
-            <a:schemeClr val="accent4"/>
-          </a:fillRef>
-          <a:effectRef idx="1">
-            <a:schemeClr val="accent4"/>
-          </a:effectRef>
-          <a:fontRef idx="minor">
-            <a:schemeClr val="dk1"/>
-          </a:fontRef>
-        </p:style>
-        <p:txBody>
-          <a:bodyPr rtlCol="0" anchor="ctr"/>
-          <a:lstStyle/>
-          <a:p>
-            <a:pPr algn="ctr"/>
-            <a:r>
-              <a:rPr lang="en-US" sz="1050" dirty="0" err="1" smtClean="0">
-                <a:solidFill>
-                  <a:srgbClr val="7030A0"/>
-                </a:solidFill>
-              </a:rPr>
-              <a:t>UniqueTagList</a:t>
-            </a:r>
-            <a:endParaRPr lang="en-SG" sz="1050" dirty="0">
-              <a:solidFill>
-                <a:srgbClr val="7030A0"/>
-              </a:solidFill>
-            </a:endParaRPr>
-          </a:p>
-        </p:txBody>
-      </p:sp>
-      <p:cxnSp>
-        <p:nvCxnSpPr>
-          <p:cNvPr id="59" name="Elbow Connector 58"/>
-          <p:cNvCxnSpPr>
-            <a:stCxn id="51" idx="3"/>
-            <a:endCxn id="57" idx="1"/>
-          </p:cNvCxnSpPr>
-          <p:nvPr/>
-        </p:nvCxnSpPr>
-        <p:spPr>
-          <a:xfrm flipV="1">
-            <a:off x="4220351" y="2453949"/>
-            <a:ext cx="282853" cy="306732"/>
-          </a:xfrm>
-          <a:prstGeom prst="bentConnector3">
-            <a:avLst>
-              <a:gd name="adj1" fmla="val 50000"/>
-            </a:avLst>
-          </a:prstGeom>
-          <a:ln w="19050">
-            <a:solidFill>
-              <a:srgbClr val="7030A0"/>
-            </a:solidFill>
-            <a:headEnd type="none" w="med" len="med"/>
-            <a:tailEnd type="arrow" w="med" len="med"/>
-          </a:ln>
-          <a:effectLst/>
-        </p:spPr>
-        <p:style>
-          <a:lnRef idx="1">
-            <a:schemeClr val="accent2"/>
-          </a:lnRef>
-          <a:fillRef idx="2">
-            <a:schemeClr val="accent2"/>
-          </a:fillRef>
-          <a:effectRef idx="1">
-            <a:schemeClr val="accent2"/>
-          </a:effectRef>
-          <a:fontRef idx="minor">
-            <a:schemeClr val="dk1"/>
-          </a:fontRef>
-        </p:style>
-      </p:cxnSp>
-      <p:sp>
-        <p:nvSpPr>
           <p:cNvPr id="62" name="Rectangle 8"/>
           <p:cNvSpPr/>
           <p:nvPr/>
         </p:nvSpPr>
         <p:spPr>
           <a:xfrm>
-            <a:off x="6313677" y="2858066"/>
+            <a:off x="6291609" y="2630540"/>
             <a:ext cx="708186" cy="346760"/>
           </a:xfrm>
           <a:prstGeom prst="rect">
@@ -15944,7 +15802,7 @@
         </p:nvSpPr>
         <p:spPr>
           <a:xfrm>
-            <a:off x="5643227" y="2943979"/>
+            <a:off x="5749167" y="2706135"/>
             <a:ext cx="236048" cy="173380"/>
           </a:xfrm>
           <a:prstGeom prst="flowChartDecision">
@@ -15984,161 +15842,18 @@
       <p:cxnSp>
         <p:nvCxnSpPr>
           <p:cNvPr id="64" name="Elbow Connector 63"/>
-          <p:cNvCxnSpPr>
-            <a:stCxn id="63" idx="3"/>
-            <a:endCxn id="62" idx="1"/>
-          </p:cNvCxnSpPr>
+          <p:cNvCxnSpPr/>
           <p:nvPr/>
         </p:nvCxnSpPr>
         <p:spPr>
-          <a:xfrm>
-            <a:off x="5879275" y="3030669"/>
-            <a:ext cx="434402" cy="777"/>
+          <a:xfrm flipV="1">
+            <a:off x="5972071" y="2801041"/>
+            <a:ext cx="313155" cy="12878"/>
           </a:xfrm>
           <a:prstGeom prst="bentConnector3">
-            <a:avLst/>
-          </a:prstGeom>
-          <a:ln w="19050">
-            <a:solidFill>
-              <a:srgbClr val="7030A0"/>
-            </a:solidFill>
-            <a:headEnd type="none" w="med" len="med"/>
-            <a:tailEnd type="arrow" w="med" len="med"/>
-          </a:ln>
-          <a:effectLst/>
-        </p:spPr>
-        <p:style>
-          <a:lnRef idx="1">
-            <a:schemeClr val="accent2"/>
-          </a:lnRef>
-          <a:fillRef idx="2">
-            <a:schemeClr val="accent2"/>
-          </a:fillRef>
-          <a:effectRef idx="1">
-            <a:schemeClr val="accent2"/>
-          </a:effectRef>
-          <a:fontRef idx="minor">
-            <a:schemeClr val="dk1"/>
-          </a:fontRef>
-        </p:style>
-      </p:cxnSp>
-      <p:sp>
-        <p:nvSpPr>
-          <p:cNvPr id="67" name="Rectangle 8"/>
-          <p:cNvSpPr/>
-          <p:nvPr/>
-        </p:nvSpPr>
-        <p:spPr>
-          <a:xfrm>
-            <a:off x="6315289" y="2285584"/>
-            <a:ext cx="708186" cy="346760"/>
-          </a:xfrm>
-          <a:prstGeom prst="rect">
-            <a:avLst/>
-          </a:prstGeom>
-          <a:ln w="19050">
-            <a:solidFill>
-              <a:srgbClr val="7030A0"/>
-            </a:solidFill>
-          </a:ln>
-          <a:effectLst/>
-        </p:spPr>
-        <p:style>
-          <a:lnRef idx="1">
-            <a:schemeClr val="accent4"/>
-          </a:lnRef>
-          <a:fillRef idx="2">
-            <a:schemeClr val="accent4"/>
-          </a:fillRef>
-          <a:effectRef idx="1">
-            <a:schemeClr val="accent4"/>
-          </a:effectRef>
-          <a:fontRef idx="minor">
-            <a:schemeClr val="dk1"/>
-          </a:fontRef>
-        </p:style>
-        <p:txBody>
-          <a:bodyPr rtlCol="0" anchor="ctr"/>
-          <a:lstStyle/>
-          <a:p>
-            <a:pPr algn="ctr"/>
-            <a:r>
-              <a:rPr lang="en-US" sz="1050" dirty="0" smtClean="0">
-                <a:solidFill>
-                  <a:srgbClr val="7030A0"/>
-                </a:solidFill>
-              </a:rPr>
-              <a:t>Tag</a:t>
-            </a:r>
-            <a:endParaRPr lang="en-SG" sz="1050" dirty="0">
-              <a:solidFill>
-                <a:srgbClr val="7030A0"/>
-              </a:solidFill>
-            </a:endParaRPr>
-          </a:p>
-        </p:txBody>
-      </p:sp>
-      <p:sp>
-        <p:nvSpPr>
-          <p:cNvPr id="68" name="Flowchart: Decision 96"/>
-          <p:cNvSpPr/>
-          <p:nvPr/>
-        </p:nvSpPr>
-        <p:spPr>
-          <a:xfrm>
-            <a:off x="5672547" y="2371497"/>
-            <a:ext cx="236048" cy="173380"/>
-          </a:xfrm>
-          <a:prstGeom prst="flowChartDecision">
-            <a:avLst/>
-          </a:prstGeom>
-          <a:noFill/>
-          <a:ln w="19050">
-            <a:solidFill>
-              <a:srgbClr val="7030A0"/>
-            </a:solidFill>
-          </a:ln>
-          <a:effectLst/>
-        </p:spPr>
-        <p:style>
-          <a:lnRef idx="1">
-            <a:schemeClr val="accent6"/>
-          </a:lnRef>
-          <a:fillRef idx="2">
-            <a:schemeClr val="accent6"/>
-          </a:fillRef>
-          <a:effectRef idx="1">
-            <a:schemeClr val="accent6"/>
-          </a:effectRef>
-          <a:fontRef idx="minor">
-            <a:schemeClr val="dk1"/>
-          </a:fontRef>
-        </p:style>
-        <p:txBody>
-          <a:bodyPr rtlCol="0" anchor="ctr"/>
-          <a:lstStyle/>
-          <a:p>
-            <a:pPr algn="ctr"/>
-            <a:endParaRPr lang="en-US" sz="1050"/>
-          </a:p>
-        </p:txBody>
-      </p:sp>
-      <p:cxnSp>
-        <p:nvCxnSpPr>
-          <p:cNvPr id="69" name="Elbow Connector 68"/>
-          <p:cNvCxnSpPr>
-            <a:stCxn id="68" idx="3"/>
-            <a:endCxn id="67" idx="1"/>
-          </p:cNvCxnSpPr>
-          <p:nvPr/>
-        </p:nvCxnSpPr>
-        <p:spPr>
-          <a:xfrm>
-            <a:off x="5908595" y="2458187"/>
-            <a:ext cx="406694" cy="777"/>
-          </a:xfrm>
-          <a:prstGeom prst="bentConnector3">
-            <a:avLst/>
+            <a:avLst>
+              <a:gd name="adj1" fmla="val -2227"/>
+            </a:avLst>
           </a:prstGeom>
           <a:ln w="19050">
             <a:solidFill>
@@ -16243,7 +15958,7 @@
         </p:nvSpPr>
         <p:spPr>
           <a:xfrm>
-            <a:off x="7691554" y="2795516"/>
+            <a:off x="7668874" y="2593732"/>
             <a:ext cx="708186" cy="285783"/>
           </a:xfrm>
           <a:prstGeom prst="rect">
@@ -16299,7 +16014,7 @@
         </p:nvSpPr>
         <p:spPr>
           <a:xfrm>
-            <a:off x="7028246" y="2847371"/>
+            <a:off x="7005566" y="2645587"/>
             <a:ext cx="236048" cy="173380"/>
           </a:xfrm>
           <a:prstGeom prst="flowChartDecision">
@@ -16346,7 +16061,7 @@
         </p:nvCxnSpPr>
         <p:spPr>
           <a:xfrm flipV="1">
-            <a:off x="7270677" y="2926112"/>
+            <a:off x="7247997" y="2724328"/>
             <a:ext cx="434402" cy="4783"/>
           </a:xfrm>
           <a:prstGeom prst="bentConnector3">
@@ -16667,7 +16382,7 @@
         </p:nvCxnSpPr>
         <p:spPr>
           <a:xfrm rot="10800000">
-            <a:off x="7021863" y="3113708"/>
+            <a:off x="6999183" y="2911924"/>
             <a:ext cx="605832" cy="496936"/>
           </a:xfrm>
           <a:prstGeom prst="bentConnector3">
@@ -16708,7 +16423,7 @@
         </p:nvSpPr>
         <p:spPr>
           <a:xfrm>
-            <a:off x="7632418" y="3447339"/>
+            <a:off x="7609738" y="3245555"/>
             <a:ext cx="708186" cy="346760"/>
           </a:xfrm>
           <a:prstGeom prst="rect">
@@ -16772,7 +16487,7 @@
         </p:nvCxnSpPr>
         <p:spPr>
           <a:xfrm rot="5400000" flipH="1" flipV="1">
-            <a:off x="7838961" y="3936488"/>
+            <a:off x="7816281" y="3734704"/>
             <a:ext cx="296908" cy="1804"/>
           </a:xfrm>
           <a:prstGeom prst="bentConnector3">
@@ -16813,7 +16528,7 @@
         </p:nvSpPr>
         <p:spPr>
           <a:xfrm>
-            <a:off x="7491211" y="4085844"/>
+            <a:off x="7468531" y="3884060"/>
             <a:ext cx="990599" cy="408742"/>
           </a:xfrm>
           <a:prstGeom prst="rect">
@@ -16877,7 +16592,7 @@
         </p:nvSpPr>
         <p:spPr>
           <a:xfrm rot="5400000" flipV="1">
-            <a:off x="7020433" y="3047823"/>
+            <a:off x="7006462" y="2857874"/>
             <a:ext cx="161060" cy="126753"/>
           </a:xfrm>
           <a:prstGeom prst="triangle">
@@ -16928,7 +16643,7 @@
         </p:nvSpPr>
         <p:spPr>
           <a:xfrm rot="10800000" flipV="1">
-            <a:off x="7890687" y="3793285"/>
+            <a:off x="7868007" y="3591501"/>
             <a:ext cx="191646" cy="141210"/>
           </a:xfrm>
           <a:prstGeom prst="triangle">

--- a/docs/diagrams/Diagrams.pptx
+++ b/docs/diagrams/Diagrams.pptx
@@ -118,7 +118,7 @@
   </p:defaultTextStyle>
   <p:extLst>
     <p:ext uri="{EFAFB233-063F-42B5-8137-9DF3F51BA10A}">
-      <p15:sldGuideLst xmlns:p15="http://schemas.microsoft.com/office/powerpoint/2012/main" xmlns="">
+      <p15:sldGuideLst xmlns:p15="http://schemas.microsoft.com/office/powerpoint/2012/main">
         <p15:guide id="1" orient="horz" pos="1488">
           <p15:clr>
             <a:srgbClr val="A4A3A4"/>
@@ -217,7 +217,7 @@
           <a:p>
             <a:fld id="{F5CC4B3F-88C1-4FFA-B1B6-F41C21DC6924}" type="datetimeFigureOut">
               <a:rPr lang="en-US" smtClean="0"/>
-              <a:t>10/22/2016</a:t>
+              <a:t>10/29/16</a:t>
             </a:fld>
             <a:endParaRPr lang="en-US"/>
           </a:p>
@@ -666,7 +666,7 @@
           <a:p>
             <a:fld id="{78C97017-6FC3-485B-9764-EAC9E56C1D49}" type="datetimeFigureOut">
               <a:rPr lang="en-US" smtClean="0"/>
-              <a:t>10/22/2016</a:t>
+              <a:t>10/29/16</a:t>
             </a:fld>
             <a:endParaRPr lang="en-US"/>
           </a:p>
@@ -836,7 +836,7 @@
           <a:p>
             <a:fld id="{78C97017-6FC3-485B-9764-EAC9E56C1D49}" type="datetimeFigureOut">
               <a:rPr lang="en-US" smtClean="0"/>
-              <a:t>10/22/2016</a:t>
+              <a:t>10/29/16</a:t>
             </a:fld>
             <a:endParaRPr lang="en-US"/>
           </a:p>
@@ -1016,7 +1016,7 @@
           <a:p>
             <a:fld id="{78C97017-6FC3-485B-9764-EAC9E56C1D49}" type="datetimeFigureOut">
               <a:rPr lang="en-US" smtClean="0"/>
-              <a:t>10/22/2016</a:t>
+              <a:t>10/29/16</a:t>
             </a:fld>
             <a:endParaRPr lang="en-US"/>
           </a:p>
@@ -1186,7 +1186,7 @@
           <a:p>
             <a:fld id="{78C97017-6FC3-485B-9764-EAC9E56C1D49}" type="datetimeFigureOut">
               <a:rPr lang="en-US" smtClean="0"/>
-              <a:t>10/22/2016</a:t>
+              <a:t>10/29/16</a:t>
             </a:fld>
             <a:endParaRPr lang="en-US"/>
           </a:p>
@@ -1432,7 +1432,7 @@
           <a:p>
             <a:fld id="{78C97017-6FC3-485B-9764-EAC9E56C1D49}" type="datetimeFigureOut">
               <a:rPr lang="en-US" smtClean="0"/>
-              <a:t>10/22/2016</a:t>
+              <a:t>10/29/16</a:t>
             </a:fld>
             <a:endParaRPr lang="en-US"/>
           </a:p>
@@ -1720,7 +1720,7 @@
           <a:p>
             <a:fld id="{78C97017-6FC3-485B-9764-EAC9E56C1D49}" type="datetimeFigureOut">
               <a:rPr lang="en-US" smtClean="0"/>
-              <a:t>10/22/2016</a:t>
+              <a:t>10/29/16</a:t>
             </a:fld>
             <a:endParaRPr lang="en-US"/>
           </a:p>
@@ -2142,7 +2142,7 @@
           <a:p>
             <a:fld id="{78C97017-6FC3-485B-9764-EAC9E56C1D49}" type="datetimeFigureOut">
               <a:rPr lang="en-US" smtClean="0"/>
-              <a:t>10/22/2016</a:t>
+              <a:t>10/29/16</a:t>
             </a:fld>
             <a:endParaRPr lang="en-US"/>
           </a:p>
@@ -2260,7 +2260,7 @@
           <a:p>
             <a:fld id="{78C97017-6FC3-485B-9764-EAC9E56C1D49}" type="datetimeFigureOut">
               <a:rPr lang="en-US" smtClean="0"/>
-              <a:t>10/22/2016</a:t>
+              <a:t>10/29/16</a:t>
             </a:fld>
             <a:endParaRPr lang="en-US"/>
           </a:p>
@@ -2355,7 +2355,7 @@
           <a:p>
             <a:fld id="{78C97017-6FC3-485B-9764-EAC9E56C1D49}" type="datetimeFigureOut">
               <a:rPr lang="en-US" smtClean="0"/>
-              <a:t>10/22/2016</a:t>
+              <a:t>10/29/16</a:t>
             </a:fld>
             <a:endParaRPr lang="en-US"/>
           </a:p>
@@ -2632,7 +2632,7 @@
           <a:p>
             <a:fld id="{78C97017-6FC3-485B-9764-EAC9E56C1D49}" type="datetimeFigureOut">
               <a:rPr lang="en-US" smtClean="0"/>
-              <a:t>10/22/2016</a:t>
+              <a:t>10/29/16</a:t>
             </a:fld>
             <a:endParaRPr lang="en-US"/>
           </a:p>
@@ -2885,7 +2885,7 @@
           <a:p>
             <a:fld id="{78C97017-6FC3-485B-9764-EAC9E56C1D49}" type="datetimeFigureOut">
               <a:rPr lang="en-US" smtClean="0"/>
-              <a:t>10/22/2016</a:t>
+              <a:t>10/29/16</a:t>
             </a:fld>
             <a:endParaRPr lang="en-US"/>
           </a:p>
@@ -3098,7 +3098,7 @@
           <a:p>
             <a:fld id="{78C97017-6FC3-485B-9764-EAC9E56C1D49}" type="datetimeFigureOut">
               <a:rPr lang="en-US" smtClean="0"/>
-              <a:t>10/22/2016</a:t>
+              <a:t>10/29/16</a:t>
             </a:fld>
             <a:endParaRPr lang="en-US"/>
           </a:p>
@@ -4014,13 +4014,6 @@
                   </a:rPr>
                   <a:t>)</a:t>
                 </a:r>
-                <a:endParaRPr lang="en-US" sz="1400" dirty="0">
-                  <a:solidFill>
-                    <a:schemeClr val="accent5">
-                      <a:lumMod val="75000"/>
-                    </a:schemeClr>
-                  </a:solidFill>
-                </a:endParaRPr>
               </a:p>
             </p:txBody>
           </p:sp>
@@ -4688,13 +4681,6 @@
                 </a:rPr>
                 <a:t>)</a:t>
               </a:r>
-              <a:endParaRPr lang="en-US" sz="1400" dirty="0">
-                <a:solidFill>
-                  <a:schemeClr val="accent6">
-                    <a:lumMod val="75000"/>
-                  </a:schemeClr>
-                </a:solidFill>
-              </a:endParaRPr>
             </a:p>
           </p:txBody>
         </p:sp>
@@ -4950,15 +4936,7 @@
                       <a:srgbClr val="7030A0"/>
                     </a:solidFill>
                   </a:rPr>
-                  <a:t>Update </a:t>
-                </a:r>
-                <a:r>
-                  <a:rPr lang="en-US" sz="1400" dirty="0" smtClean="0">
-                    <a:solidFill>
-                      <a:srgbClr val="7030A0"/>
-                    </a:solidFill>
-                  </a:rPr>
-                  <a:t>task list</a:t>
+                  <a:t>Update task list</a:t>
                 </a:r>
                 <a:endParaRPr lang="en-US" sz="1400" dirty="0">
                   <a:solidFill>
@@ -5866,101 +5844,6 @@
           </a:p>
         </p:txBody>
       </p:sp>
-      <p:sp>
-        <p:nvSpPr>
-          <p:cNvPr id="51" name="Cloud 50"/>
-          <p:cNvSpPr/>
-          <p:nvPr/>
-        </p:nvSpPr>
-        <p:spPr>
-          <a:xfrm>
-            <a:off x="2650069" y="1447800"/>
-            <a:ext cx="914400" cy="533400"/>
-          </a:xfrm>
-          <a:prstGeom prst="cloud">
-            <a:avLst/>
-          </a:prstGeom>
-          <a:solidFill>
-            <a:schemeClr val="bg1"/>
-          </a:solidFill>
-          <a:ln>
-            <a:solidFill>
-              <a:schemeClr val="tx1"/>
-            </a:solidFill>
-          </a:ln>
-        </p:spPr>
-        <p:style>
-          <a:lnRef idx="2">
-            <a:schemeClr val="accent1">
-              <a:shade val="50000"/>
-            </a:schemeClr>
-          </a:lnRef>
-          <a:fillRef idx="1">
-            <a:schemeClr val="accent1"/>
-          </a:fillRef>
-          <a:effectRef idx="0">
-            <a:schemeClr val="accent1"/>
-          </a:effectRef>
-          <a:fontRef idx="minor">
-            <a:schemeClr val="lt1"/>
-          </a:fontRef>
-        </p:style>
-        <p:txBody>
-          <a:bodyPr rtlCol="0" anchor="ctr"/>
-          <a:lstStyle/>
-          <a:p>
-            <a:pPr algn="ctr"/>
-            <a:r>
-              <a:rPr lang="en-US" sz="1400" dirty="0">
-                <a:solidFill>
-                  <a:schemeClr val="tx1"/>
-                </a:solidFill>
-              </a:rPr>
-              <a:t>Web</a:t>
-            </a:r>
-          </a:p>
-        </p:txBody>
-      </p:sp>
-      <p:cxnSp>
-        <p:nvCxnSpPr>
-          <p:cNvPr id="52" name="Elbow Connector 51"/>
-          <p:cNvCxnSpPr>
-            <a:stCxn id="2" idx="0"/>
-            <a:endCxn id="51" idx="2"/>
-          </p:cNvCxnSpPr>
-          <p:nvPr/>
-        </p:nvCxnSpPr>
-        <p:spPr>
-          <a:xfrm rot="5400000" flipH="1" flipV="1">
-            <a:off x="2222648" y="1760922"/>
-            <a:ext cx="476678" cy="383835"/>
-          </a:xfrm>
-          <a:prstGeom prst="bentConnector2">
-            <a:avLst/>
-          </a:prstGeom>
-          <a:ln w="28575">
-            <a:solidFill>
-              <a:srgbClr val="00B050"/>
-            </a:solidFill>
-            <a:prstDash val="sysDot"/>
-            <a:tailEnd type="arrow"/>
-          </a:ln>
-        </p:spPr>
-        <p:style>
-          <a:lnRef idx="1">
-            <a:schemeClr val="accent1"/>
-          </a:lnRef>
-          <a:fillRef idx="0">
-            <a:schemeClr val="accent1"/>
-          </a:fillRef>
-          <a:effectRef idx="0">
-            <a:schemeClr val="accent1"/>
-          </a:effectRef>
-          <a:fontRef idx="minor">
-            <a:schemeClr val="tx1"/>
-          </a:fontRef>
-        </p:style>
-      </p:cxnSp>
       <p:sp>
         <p:nvSpPr>
           <p:cNvPr id="23" name="Rectangle 62"/>
@@ -9175,7 +9058,7 @@
         <p:spPr>
           <a:xfrm>
             <a:off x="1217465" y="1447800"/>
-            <a:ext cx="4917083" cy="3962400"/>
+            <a:ext cx="6021535" cy="3962400"/>
           </a:xfrm>
           <a:prstGeom prst="roundRect">
             <a:avLst>
@@ -9549,7 +9432,7 @@
         </p:nvSpPr>
         <p:spPr>
           <a:xfrm rot="16200000">
-            <a:off x="5703829" y="2464877"/>
+            <a:off x="6511670" y="2405430"/>
             <a:ext cx="2362201" cy="328045"/>
           </a:xfrm>
           <a:prstGeom prst="roundRect">
@@ -9609,7 +9492,7 @@
         </p:nvSpPr>
         <p:spPr>
           <a:xfrm>
-            <a:off x="2592528" y="3649359"/>
+            <a:off x="3984435" y="3703833"/>
             <a:ext cx="1093635" cy="236841"/>
           </a:xfrm>
           <a:prstGeom prst="rect">
@@ -9642,14 +9525,14 @@
           <a:p>
             <a:pPr algn="ctr"/>
             <a:r>
-              <a:rPr lang="en-US" sz="1050" b="1" dirty="0" err="1">
+              <a:rPr lang="en-US" altLang="zh-CN" sz="1050" b="1" dirty="0" err="1">
                 <a:solidFill>
                   <a:schemeClr val="accent3">
                     <a:lumMod val="75000"/>
                   </a:schemeClr>
                 </a:solidFill>
               </a:rPr>
-              <a:t>BrowserPanel</a:t>
+              <a:t>AllTasksPanel</a:t>
             </a:r>
             <a:endParaRPr lang="en-SG" sz="1050" b="1" dirty="0">
               <a:solidFill>
@@ -9663,14 +9546,14 @@
       </p:sp>
       <p:sp>
         <p:nvSpPr>
-          <p:cNvPr id="35" name="Rectangle 11"/>
+          <p:cNvPr id="36" name="Rectangle 11"/>
           <p:cNvSpPr/>
           <p:nvPr/>
         </p:nvSpPr>
         <p:spPr>
           <a:xfrm>
-            <a:off x="2592527" y="4563759"/>
-            <a:ext cx="1093635" cy="236841"/>
+            <a:off x="3984435" y="3985696"/>
+            <a:ext cx="1446074" cy="236841"/>
           </a:xfrm>
           <a:prstGeom prst="rect">
             <a:avLst/>
@@ -9702,14 +9585,14 @@
           <a:p>
             <a:pPr algn="ctr"/>
             <a:r>
-              <a:rPr lang="en-US" sz="1050" b="1" dirty="0" err="1">
+              <a:rPr lang="en-US" altLang="zh-CN" sz="1050" b="1" dirty="0" err="1">
                 <a:solidFill>
                   <a:schemeClr val="accent3">
                     <a:lumMod val="75000"/>
                   </a:schemeClr>
                 </a:solidFill>
               </a:rPr>
-              <a:t>StatusBarFooter</a:t>
+              <a:t>CompletedTasksPanel</a:t>
             </a:r>
             <a:endParaRPr lang="en-SG" sz="1050" b="1" dirty="0">
               <a:solidFill>
@@ -9723,73 +9606,13 @@
       </p:sp>
       <p:sp>
         <p:nvSpPr>
-          <p:cNvPr id="36" name="Rectangle 11"/>
-          <p:cNvSpPr/>
-          <p:nvPr/>
-        </p:nvSpPr>
-        <p:spPr>
-          <a:xfrm>
-            <a:off x="2592526" y="3991960"/>
-            <a:ext cx="1093635" cy="236841"/>
-          </a:xfrm>
-          <a:prstGeom prst="rect">
-            <a:avLst/>
-          </a:prstGeom>
-          <a:ln w="19050">
-            <a:solidFill>
-              <a:schemeClr val="accent3"/>
-            </a:solidFill>
-          </a:ln>
-          <a:effectLst/>
-        </p:spPr>
-        <p:style>
-          <a:lnRef idx="1">
-            <a:schemeClr val="accent3"/>
-          </a:lnRef>
-          <a:fillRef idx="2">
-            <a:schemeClr val="accent3"/>
-          </a:fillRef>
-          <a:effectRef idx="1">
-            <a:schemeClr val="accent3"/>
-          </a:effectRef>
-          <a:fontRef idx="minor">
-            <a:schemeClr val="dk1"/>
-          </a:fontRef>
-        </p:style>
-        <p:txBody>
-          <a:bodyPr rtlCol="0" anchor="ctr"/>
-          <a:lstStyle/>
-          <a:p>
-            <a:pPr algn="ctr"/>
-            <a:r>
-              <a:rPr lang="en-US" sz="1050" b="1" dirty="0" err="1" smtClean="0">
-                <a:solidFill>
-                  <a:schemeClr val="accent3">
-                    <a:lumMod val="75000"/>
-                  </a:schemeClr>
-                </a:solidFill>
-              </a:rPr>
-              <a:t>TaskListPanel</a:t>
-            </a:r>
-            <a:endParaRPr lang="en-SG" sz="1050" b="1" dirty="0">
-              <a:solidFill>
-                <a:schemeClr val="accent3">
-                  <a:lumMod val="75000"/>
-                </a:schemeClr>
-              </a:solidFill>
-            </a:endParaRPr>
-          </a:p>
-        </p:txBody>
-      </p:sp>
-      <p:sp>
-        <p:nvSpPr>
           <p:cNvPr id="37" name="Rectangle 11"/>
           <p:cNvSpPr/>
           <p:nvPr/>
         </p:nvSpPr>
         <p:spPr>
           <a:xfrm>
-            <a:off x="3839323" y="4228801"/>
+            <a:off x="6102419" y="3954832"/>
             <a:ext cx="1040906" cy="236841"/>
           </a:xfrm>
           <a:prstGeom prst="rect">
@@ -10038,7 +9861,17 @@
                   </a:schemeClr>
                 </a:solidFill>
               </a:rPr>
-              <a:t>ResultsDisplay</a:t>
+              <a:t>Result</a:t>
+            </a:r>
+            <a:r>
+              <a:rPr lang="en-US" altLang="zh-CN" sz="1050" b="1" dirty="0" err="1">
+                <a:solidFill>
+                  <a:schemeClr val="accent3">
+                    <a:lumMod val="75000"/>
+                  </a:schemeClr>
+                </a:solidFill>
+              </a:rPr>
+              <a:t>PopUp</a:t>
             </a:r>
             <a:endParaRPr lang="en-SG" sz="1050" b="1" dirty="0">
               <a:solidFill>
@@ -10050,88 +9883,6 @@
           </a:p>
         </p:txBody>
       </p:sp>
-      <p:cxnSp>
-        <p:nvCxnSpPr>
-          <p:cNvPr id="44" name="Elbow Connector 63"/>
-          <p:cNvCxnSpPr>
-            <a:stCxn id="39" idx="2"/>
-            <a:endCxn id="34" idx="1"/>
-          </p:cNvCxnSpPr>
-          <p:nvPr/>
-        </p:nvCxnSpPr>
-        <p:spPr>
-          <a:xfrm rot="16200000" flipH="1">
-            <a:off x="2054450" y="3229701"/>
-            <a:ext cx="899755" cy="176402"/>
-          </a:xfrm>
-          <a:prstGeom prst="bentConnector2">
-            <a:avLst/>
-          </a:prstGeom>
-          <a:ln w="19050">
-            <a:solidFill>
-              <a:schemeClr val="accent3"/>
-            </a:solidFill>
-            <a:headEnd type="none" w="med" len="med"/>
-            <a:tailEnd type="arrow" w="med" len="med"/>
-          </a:ln>
-          <a:effectLst/>
-        </p:spPr>
-        <p:style>
-          <a:lnRef idx="1">
-            <a:schemeClr val="accent2"/>
-          </a:lnRef>
-          <a:fillRef idx="2">
-            <a:schemeClr val="accent2"/>
-          </a:fillRef>
-          <a:effectRef idx="1">
-            <a:schemeClr val="accent2"/>
-          </a:effectRef>
-          <a:fontRef idx="minor">
-            <a:schemeClr val="dk1"/>
-          </a:fontRef>
-        </p:style>
-      </p:cxnSp>
-      <p:cxnSp>
-        <p:nvCxnSpPr>
-          <p:cNvPr id="47" name="Elbow Connector 63"/>
-          <p:cNvCxnSpPr>
-            <a:stCxn id="39" idx="2"/>
-            <a:endCxn id="36" idx="1"/>
-          </p:cNvCxnSpPr>
-          <p:nvPr/>
-        </p:nvCxnSpPr>
-        <p:spPr>
-          <a:xfrm rot="16200000" flipH="1">
-            <a:off x="1883148" y="3401003"/>
-            <a:ext cx="1242356" cy="176400"/>
-          </a:xfrm>
-          <a:prstGeom prst="bentConnector2">
-            <a:avLst/>
-          </a:prstGeom>
-          <a:ln w="19050">
-            <a:solidFill>
-              <a:schemeClr val="accent3"/>
-            </a:solidFill>
-            <a:headEnd type="none" w="med" len="med"/>
-            <a:tailEnd type="arrow" w="med" len="med"/>
-          </a:ln>
-          <a:effectLst/>
-        </p:spPr>
-        <p:style>
-          <a:lnRef idx="1">
-            <a:schemeClr val="accent2"/>
-          </a:lnRef>
-          <a:fillRef idx="2">
-            <a:schemeClr val="accent2"/>
-          </a:fillRef>
-          <a:effectRef idx="1">
-            <a:schemeClr val="accent2"/>
-          </a:effectRef>
-          <a:fontRef idx="minor">
-            <a:schemeClr val="dk1"/>
-          </a:fontRef>
-        </p:style>
-      </p:cxnSp>
       <p:cxnSp>
         <p:nvCxnSpPr>
           <p:cNvPr id="50" name="Elbow Connector 63"/>
@@ -10338,17 +10089,19 @@
           <p:cNvPr id="77" name="Elbow Connector 63"/>
           <p:cNvCxnSpPr>
             <a:stCxn id="16" idx="3"/>
-            <a:endCxn id="37" idx="3"/>
+            <a:endCxn id="37" idx="0"/>
           </p:cNvCxnSpPr>
           <p:nvPr/>
         </p:nvCxnSpPr>
         <p:spPr>
-          <a:xfrm rot="5400000">
-            <a:off x="4174488" y="2991741"/>
-            <a:ext cx="2061222" cy="649740"/>
-          </a:xfrm>
-          <a:prstGeom prst="bentConnector2">
-            <a:avLst/>
+          <a:xfrm rot="16200000" flipH="1">
+            <a:off x="5242004" y="2573964"/>
+            <a:ext cx="1668832" cy="1092903"/>
+          </a:xfrm>
+          <a:prstGeom prst="bentConnector3">
+            <a:avLst>
+              <a:gd name="adj1" fmla="val 50000"/>
+            </a:avLst>
           </a:prstGeom>
           <a:ln w="6350">
             <a:solidFill>
@@ -10379,17 +10132,19 @@
           <p:cNvPr id="82" name="Elbow Connector 63"/>
           <p:cNvCxnSpPr>
             <a:stCxn id="16" idx="3"/>
-            <a:endCxn id="34" idx="3"/>
+            <a:endCxn id="60" idx="0"/>
           </p:cNvCxnSpPr>
           <p:nvPr/>
         </p:nvCxnSpPr>
         <p:spPr>
           <a:xfrm rot="5400000">
-            <a:off x="3867176" y="2104987"/>
-            <a:ext cx="1481780" cy="1843806"/>
-          </a:xfrm>
-          <a:prstGeom prst="bentConnector2">
-            <a:avLst/>
+            <a:off x="3425990" y="1845877"/>
+            <a:ext cx="1663856" cy="2544102"/>
+          </a:xfrm>
+          <a:prstGeom prst="bentConnector3">
+            <a:avLst>
+              <a:gd name="adj1" fmla="val 83564"/>
+            </a:avLst>
           </a:prstGeom>
           <a:ln w="6350">
             <a:solidFill>
@@ -10607,8 +10362,8 @@
         </p:nvCxnSpPr>
         <p:spPr>
           <a:xfrm rot="5400000" flipH="1" flipV="1">
-            <a:off x="4594921" y="-355061"/>
-            <a:ext cx="170724" cy="4081246"/>
+            <a:off x="5004332" y="-761016"/>
+            <a:ext cx="167268" cy="4896612"/>
           </a:xfrm>
           <a:prstGeom prst="bentConnector2">
             <a:avLst/>
@@ -10725,7 +10480,7 @@
         </p:nvSpPr>
         <p:spPr>
           <a:xfrm rot="16200000">
-            <a:off x="6213739" y="4560376"/>
+            <a:off x="7014495" y="4560378"/>
             <a:ext cx="1371599" cy="328045"/>
           </a:xfrm>
           <a:prstGeom prst="roundRect">
@@ -11021,47 +10776,6 @@
       </p:cxnSp>
       <p:cxnSp>
         <p:nvCxnSpPr>
-          <p:cNvPr id="137" name="Elbow Connector 136"/>
-          <p:cNvCxnSpPr>
-            <a:stCxn id="36" idx="2"/>
-            <a:endCxn id="37" idx="1"/>
-          </p:cNvCxnSpPr>
-          <p:nvPr/>
-        </p:nvCxnSpPr>
-        <p:spPr>
-          <a:xfrm rot="16200000" flipH="1">
-            <a:off x="3430123" y="3938021"/>
-            <a:ext cx="118421" cy="699979"/>
-          </a:xfrm>
-          <a:prstGeom prst="bentConnector2">
-            <a:avLst/>
-          </a:prstGeom>
-          <a:ln w="19050">
-            <a:solidFill>
-              <a:schemeClr val="accent3"/>
-            </a:solidFill>
-            <a:headEnd type="none" w="med" len="med"/>
-            <a:tailEnd type="arrow" w="med" len="med"/>
-          </a:ln>
-          <a:effectLst/>
-        </p:spPr>
-        <p:style>
-          <a:lnRef idx="1">
-            <a:schemeClr val="accent2"/>
-          </a:lnRef>
-          <a:fillRef idx="2">
-            <a:schemeClr val="accent2"/>
-          </a:fillRef>
-          <a:effectRef idx="1">
-            <a:schemeClr val="accent2"/>
-          </a:effectRef>
-          <a:fontRef idx="minor">
-            <a:schemeClr val="dk1"/>
-          </a:fontRef>
-        </p:style>
-      </p:cxnSp>
-      <p:cxnSp>
-        <p:nvCxnSpPr>
           <p:cNvPr id="140" name="Elbow Connector 63"/>
           <p:cNvCxnSpPr>
             <a:stCxn id="16" idx="3"/>
@@ -11071,8 +10785,8 @@
         </p:nvCxnSpPr>
         <p:spPr>
           <a:xfrm rot="5400000">
-            <a:off x="3695875" y="2276286"/>
-            <a:ext cx="1824381" cy="1843808"/>
+            <a:off x="4571181" y="3145328"/>
+            <a:ext cx="1818117" cy="99460"/>
           </a:xfrm>
           <a:prstGeom prst="bentConnector2">
             <a:avLst/>
@@ -11162,8 +10876,8 @@
         </p:nvSpPr>
         <p:spPr>
           <a:xfrm>
-            <a:off x="3687515" y="2981202"/>
-            <a:ext cx="3048000" cy="203200"/>
+            <a:off x="3687514" y="2971801"/>
+            <a:ext cx="3841233" cy="212601"/>
           </a:xfrm>
           <a:custGeom>
             <a:avLst/>
@@ -11291,58 +11005,145 @@
       </p:sp>
       <p:sp>
         <p:nvSpPr>
-          <p:cNvPr id="118" name="Freeform 117"/>
+          <p:cNvPr id="56" name="Rectangle 11"/>
           <p:cNvSpPr/>
           <p:nvPr/>
         </p:nvSpPr>
         <p:spPr>
-          <a:xfrm flipV="1">
-            <a:off x="4114799" y="4472708"/>
-            <a:ext cx="2642195" cy="101600"/>
-          </a:xfrm>
-          <a:custGeom>
-            <a:avLst/>
-            <a:gdLst>
-              <a:gd name="connsiteX0" fmla="*/ 0 w 3048000"/>
-              <a:gd name="connsiteY0" fmla="*/ 203200 h 203200"/>
-              <a:gd name="connsiteX1" fmla="*/ 221673 w 3048000"/>
-              <a:gd name="connsiteY1" fmla="*/ 0 h 203200"/>
-              <a:gd name="connsiteX2" fmla="*/ 3048000 w 3048000"/>
-              <a:gd name="connsiteY2" fmla="*/ 0 h 203200"/>
-            </a:gdLst>
-            <a:ahLst/>
-            <a:cxnLst>
-              <a:cxn ang="0">
-                <a:pos x="connsiteX0" y="connsiteY0"/>
-              </a:cxn>
-              <a:cxn ang="0">
-                <a:pos x="connsiteX1" y="connsiteY1"/>
-              </a:cxn>
-              <a:cxn ang="0">
-                <a:pos x="connsiteX2" y="connsiteY2"/>
-              </a:cxn>
-            </a:cxnLst>
-            <a:rect l="l" t="t" r="r" b="b"/>
-            <a:pathLst>
-              <a:path w="3048000" h="203200">
-                <a:moveTo>
-                  <a:pt x="0" y="203200"/>
-                </a:moveTo>
-                <a:lnTo>
-                  <a:pt x="221673" y="0"/>
-                </a:lnTo>
-                <a:lnTo>
-                  <a:pt x="3048000" y="0"/>
-                </a:lnTo>
-              </a:path>
-            </a:pathLst>
-          </a:custGeom>
-          <a:noFill/>
+          <a:xfrm>
+            <a:off x="3983295" y="4273117"/>
+            <a:ext cx="1181577" cy="236841"/>
+          </a:xfrm>
+          <a:prstGeom prst="rect">
+            <a:avLst/>
+          </a:prstGeom>
           <a:ln w="19050">
             <a:solidFill>
               <a:schemeClr val="accent3"/>
             </a:solidFill>
-            <a:prstDash val="sysDot"/>
+          </a:ln>
+          <a:effectLst/>
+        </p:spPr>
+        <p:style>
+          <a:lnRef idx="1">
+            <a:schemeClr val="accent3"/>
+          </a:lnRef>
+          <a:fillRef idx="2">
+            <a:schemeClr val="accent3"/>
+          </a:fillRef>
+          <a:effectRef idx="1">
+            <a:schemeClr val="accent3"/>
+          </a:effectRef>
+          <a:fontRef idx="minor">
+            <a:schemeClr val="dk1"/>
+          </a:fontRef>
+        </p:style>
+        <p:txBody>
+          <a:bodyPr rtlCol="0" anchor="ctr"/>
+          <a:lstStyle/>
+          <a:p>
+            <a:pPr algn="ctr"/>
+            <a:r>
+              <a:rPr lang="en-US" altLang="zh-CN" sz="1050" b="1" dirty="0" err="1">
+                <a:solidFill>
+                  <a:schemeClr val="accent3">
+                    <a:lumMod val="75000"/>
+                  </a:schemeClr>
+                </a:solidFill>
+              </a:rPr>
+              <a:t>OtherTasksPanel</a:t>
+            </a:r>
+            <a:endParaRPr lang="en-SG" sz="1050" b="1" dirty="0">
+              <a:solidFill>
+                <a:schemeClr val="accent3">
+                  <a:lumMod val="75000"/>
+                </a:schemeClr>
+              </a:solidFill>
+            </a:endParaRPr>
+          </a:p>
+        </p:txBody>
+      </p:sp>
+      <p:sp>
+        <p:nvSpPr>
+          <p:cNvPr id="60" name="Rectangle 11"/>
+          <p:cNvSpPr/>
+          <p:nvPr/>
+        </p:nvSpPr>
+        <p:spPr>
+          <a:xfrm>
+            <a:off x="2573658" y="3949856"/>
+            <a:ext cx="824418" cy="236841"/>
+          </a:xfrm>
+          <a:prstGeom prst="rect">
+            <a:avLst/>
+          </a:prstGeom>
+          <a:ln w="19050">
+            <a:solidFill>
+              <a:schemeClr val="accent3"/>
+            </a:solidFill>
+          </a:ln>
+          <a:effectLst/>
+        </p:spPr>
+        <p:style>
+          <a:lnRef idx="1">
+            <a:schemeClr val="accent3"/>
+          </a:lnRef>
+          <a:fillRef idx="2">
+            <a:schemeClr val="accent3"/>
+          </a:fillRef>
+          <a:effectRef idx="1">
+            <a:schemeClr val="accent3"/>
+          </a:effectRef>
+          <a:fontRef idx="minor">
+            <a:schemeClr val="dk1"/>
+          </a:fontRef>
+        </p:style>
+        <p:txBody>
+          <a:bodyPr rtlCol="0" anchor="ctr"/>
+          <a:lstStyle/>
+          <a:p>
+            <a:pPr algn="ctr"/>
+            <a:r>
+              <a:rPr lang="en-US" altLang="zh-CN" sz="1050" b="1" dirty="0" err="1">
+                <a:solidFill>
+                  <a:schemeClr val="accent3">
+                    <a:lumMod val="75000"/>
+                  </a:schemeClr>
+                </a:solidFill>
+              </a:rPr>
+              <a:t>TasksPanel</a:t>
+            </a:r>
+            <a:endParaRPr lang="en-SG" sz="1050" b="1" dirty="0">
+              <a:solidFill>
+                <a:schemeClr val="accent3">
+                  <a:lumMod val="75000"/>
+                </a:schemeClr>
+              </a:solidFill>
+            </a:endParaRPr>
+          </a:p>
+        </p:txBody>
+      </p:sp>
+      <p:cxnSp>
+        <p:nvCxnSpPr>
+          <p:cNvPr id="61" name="Elbow Connector 63"/>
+          <p:cNvCxnSpPr>
+            <a:stCxn id="39" idx="2"/>
+            <a:endCxn id="60" idx="1"/>
+          </p:cNvCxnSpPr>
+          <p:nvPr/>
+        </p:nvCxnSpPr>
+        <p:spPr>
+          <a:xfrm rot="16200000" flipH="1">
+            <a:off x="1894766" y="3389385"/>
+            <a:ext cx="1200252" cy="157532"/>
+          </a:xfrm>
+          <a:prstGeom prst="bentConnector2">
+            <a:avLst/>
+          </a:prstGeom>
+          <a:ln w="19050">
+            <a:solidFill>
+              <a:schemeClr val="accent3"/>
+            </a:solidFill>
             <a:headEnd type="none" w="med" len="med"/>
             <a:tailEnd type="arrow" w="med" len="med"/>
           </a:ln>
@@ -11362,15 +11163,535 @@
             <a:schemeClr val="dk1"/>
           </a:fontRef>
         </p:style>
+      </p:cxnSp>
+      <p:sp>
+        <p:nvSpPr>
+          <p:cNvPr id="75" name="Isosceles Triangle 102"/>
+          <p:cNvSpPr/>
+          <p:nvPr/>
+        </p:nvSpPr>
+        <p:spPr>
+          <a:xfrm rot="5400000" flipV="1">
+            <a:off x="3370178" y="4013800"/>
+            <a:ext cx="160849" cy="96644"/>
+          </a:xfrm>
+          <a:prstGeom prst="triangle">
+            <a:avLst/>
+          </a:prstGeom>
+          <a:ln w="6350">
+            <a:solidFill>
+              <a:schemeClr val="accent3"/>
+            </a:solidFill>
+          </a:ln>
+          <a:effectLst/>
+        </p:spPr>
+        <p:style>
+          <a:lnRef idx="1">
+            <a:schemeClr val="accent3"/>
+          </a:lnRef>
+          <a:fillRef idx="2">
+            <a:schemeClr val="accent3"/>
+          </a:fillRef>
+          <a:effectRef idx="1">
+            <a:schemeClr val="accent3"/>
+          </a:effectRef>
+          <a:fontRef idx="minor">
+            <a:schemeClr val="dk1"/>
+          </a:fontRef>
+        </p:style>
         <p:txBody>
           <a:bodyPr rtlCol="0" anchor="ctr"/>
           <a:lstStyle/>
           <a:p>
             <a:pPr algn="ctr"/>
+            <a:endParaRPr lang="en-SG" sz="1050" b="1">
+              <a:solidFill>
+                <a:srgbClr val="92D050"/>
+              </a:solidFill>
+            </a:endParaRPr>
+          </a:p>
+        </p:txBody>
+      </p:sp>
+      <p:cxnSp>
+        <p:nvCxnSpPr>
+          <p:cNvPr id="54" name="Elbow Connector 53"/>
+          <p:cNvCxnSpPr>
+            <a:stCxn id="75" idx="3"/>
+            <a:endCxn id="34" idx="1"/>
+          </p:cNvCxnSpPr>
+          <p:nvPr/>
+        </p:nvCxnSpPr>
+        <p:spPr>
+          <a:xfrm flipV="1">
+            <a:off x="3498925" y="3822254"/>
+            <a:ext cx="485510" cy="239869"/>
+          </a:xfrm>
+          <a:prstGeom prst="bentConnector3">
+            <a:avLst/>
+          </a:prstGeom>
+        </p:spPr>
+        <p:style>
+          <a:lnRef idx="1">
+            <a:schemeClr val="accent3"/>
+          </a:lnRef>
+          <a:fillRef idx="0">
+            <a:schemeClr val="accent3"/>
+          </a:fillRef>
+          <a:effectRef idx="0">
+            <a:schemeClr val="accent3"/>
+          </a:effectRef>
+          <a:fontRef idx="minor">
+            <a:schemeClr val="tx1"/>
+          </a:fontRef>
+        </p:style>
+      </p:cxnSp>
+      <p:cxnSp>
+        <p:nvCxnSpPr>
+          <p:cNvPr id="83" name="Elbow Connector 82"/>
+          <p:cNvCxnSpPr>
+            <a:endCxn id="36" idx="1"/>
+          </p:cNvCxnSpPr>
+          <p:nvPr/>
+        </p:nvCxnSpPr>
+        <p:spPr>
+          <a:xfrm>
+            <a:off x="3498925" y="4062123"/>
+            <a:ext cx="485510" cy="41994"/>
+          </a:xfrm>
+          <a:prstGeom prst="bentConnector3">
+            <a:avLst/>
+          </a:prstGeom>
+        </p:spPr>
+        <p:style>
+          <a:lnRef idx="1">
+            <a:schemeClr val="accent3"/>
+          </a:lnRef>
+          <a:fillRef idx="0">
+            <a:schemeClr val="accent3"/>
+          </a:fillRef>
+          <a:effectRef idx="0">
+            <a:schemeClr val="accent3"/>
+          </a:effectRef>
+          <a:fontRef idx="minor">
+            <a:schemeClr val="tx1"/>
+          </a:fontRef>
+        </p:style>
+      </p:cxnSp>
+      <p:cxnSp>
+        <p:nvCxnSpPr>
+          <p:cNvPr id="85" name="Elbow Connector 84"/>
+          <p:cNvCxnSpPr>
+            <a:endCxn id="56" idx="1"/>
+          </p:cNvCxnSpPr>
+          <p:nvPr/>
+        </p:nvCxnSpPr>
+        <p:spPr>
+          <a:xfrm>
+            <a:off x="3498925" y="4062123"/>
+            <a:ext cx="484370" cy="329415"/>
+          </a:xfrm>
+          <a:prstGeom prst="bentConnector3">
+            <a:avLst/>
+          </a:prstGeom>
+        </p:spPr>
+        <p:style>
+          <a:lnRef idx="1">
+            <a:schemeClr val="accent3"/>
+          </a:lnRef>
+          <a:fillRef idx="0">
+            <a:schemeClr val="accent3"/>
+          </a:fillRef>
+          <a:effectRef idx="0">
+            <a:schemeClr val="accent3"/>
+          </a:effectRef>
+          <a:fontRef idx="minor">
+            <a:schemeClr val="tx1"/>
+          </a:fontRef>
+        </p:style>
+      </p:cxnSp>
+      <p:sp>
+        <p:nvSpPr>
+          <p:cNvPr id="35" name="Rectangle 11"/>
+          <p:cNvSpPr/>
+          <p:nvPr/>
+        </p:nvSpPr>
+        <p:spPr>
+          <a:xfrm>
+            <a:off x="2592527" y="4563759"/>
+            <a:ext cx="1093635" cy="236841"/>
+          </a:xfrm>
+          <a:prstGeom prst="rect">
+            <a:avLst/>
+          </a:prstGeom>
+          <a:ln w="19050">
+            <a:solidFill>
+              <a:schemeClr val="accent3"/>
+            </a:solidFill>
+          </a:ln>
+          <a:effectLst/>
+        </p:spPr>
+        <p:style>
+          <a:lnRef idx="1">
+            <a:schemeClr val="accent3"/>
+          </a:lnRef>
+          <a:fillRef idx="2">
+            <a:schemeClr val="accent3"/>
+          </a:fillRef>
+          <a:effectRef idx="1">
+            <a:schemeClr val="accent3"/>
+          </a:effectRef>
+          <a:fontRef idx="minor">
+            <a:schemeClr val="dk1"/>
+          </a:fontRef>
+        </p:style>
+        <p:txBody>
+          <a:bodyPr rtlCol="0" anchor="ctr"/>
+          <a:lstStyle/>
+          <a:p>
+            <a:pPr algn="ctr"/>
+            <a:r>
+              <a:rPr lang="en-US" sz="1050" b="1" dirty="0" err="1">
+                <a:solidFill>
+                  <a:schemeClr val="accent3">
+                    <a:lumMod val="75000"/>
+                  </a:schemeClr>
+                </a:solidFill>
+              </a:rPr>
+              <a:t>StatusBarFooter</a:t>
+            </a:r>
+            <a:endParaRPr lang="en-SG" sz="1050" b="1" dirty="0">
+              <a:solidFill>
+                <a:schemeClr val="accent3">
+                  <a:lumMod val="75000"/>
+                </a:schemeClr>
+              </a:solidFill>
+            </a:endParaRPr>
+          </a:p>
+        </p:txBody>
+      </p:sp>
+      <p:cxnSp>
+        <p:nvCxnSpPr>
+          <p:cNvPr id="96" name="Elbow Connector 95"/>
+          <p:cNvCxnSpPr>
+            <a:stCxn id="60" idx="2"/>
+          </p:cNvCxnSpPr>
+          <p:nvPr/>
+        </p:nvCxnSpPr>
+        <p:spPr>
+          <a:xfrm rot="16200000" flipH="1">
+            <a:off x="5088258" y="2084305"/>
+            <a:ext cx="345624" cy="4550407"/>
+          </a:xfrm>
+          <a:prstGeom prst="bentConnector2">
+            <a:avLst/>
+          </a:prstGeom>
+          <a:ln w="19050">
+            <a:solidFill>
+              <a:schemeClr val="accent3"/>
+            </a:solidFill>
+            <a:prstDash val="sysDash"/>
+            <a:headEnd type="none" w="med" len="med"/>
+            <a:tailEnd type="arrow" w="med" len="med"/>
+          </a:ln>
+          <a:effectLst/>
+        </p:spPr>
+        <p:style>
+          <a:lnRef idx="1">
+            <a:schemeClr val="accent2"/>
+          </a:lnRef>
+          <a:fillRef idx="2">
+            <a:schemeClr val="accent2"/>
+          </a:fillRef>
+          <a:effectRef idx="1">
+            <a:schemeClr val="accent2"/>
+          </a:effectRef>
+          <a:fontRef idx="minor">
+            <a:schemeClr val="dk1"/>
+          </a:fontRef>
+        </p:style>
+      </p:cxnSp>
+      <p:cxnSp>
+        <p:nvCxnSpPr>
+          <p:cNvPr id="109" name="Elbow Connector 108"/>
+          <p:cNvCxnSpPr>
+            <a:stCxn id="56" idx="3"/>
+            <a:endCxn id="37" idx="1"/>
+          </p:cNvCxnSpPr>
+          <p:nvPr/>
+        </p:nvCxnSpPr>
+        <p:spPr>
+          <a:xfrm flipV="1">
+            <a:off x="5164872" y="4073253"/>
+            <a:ext cx="937547" cy="318285"/>
+          </a:xfrm>
+          <a:prstGeom prst="bentConnector3">
+            <a:avLst>
+              <a:gd name="adj1" fmla="val 50000"/>
+            </a:avLst>
+          </a:prstGeom>
+          <a:ln w="19050">
+            <a:solidFill>
+              <a:schemeClr val="accent3"/>
+            </a:solidFill>
+            <a:headEnd type="none" w="med" len="med"/>
+            <a:tailEnd type="arrow" w="med" len="med"/>
+          </a:ln>
+          <a:effectLst/>
+        </p:spPr>
+        <p:style>
+          <a:lnRef idx="1">
+            <a:schemeClr val="accent2"/>
+          </a:lnRef>
+          <a:fillRef idx="2">
+            <a:schemeClr val="accent2"/>
+          </a:fillRef>
+          <a:effectRef idx="1">
+            <a:schemeClr val="accent2"/>
+          </a:effectRef>
+          <a:fontRef idx="minor">
+            <a:schemeClr val="dk1"/>
+          </a:fontRef>
+        </p:style>
+      </p:cxnSp>
+      <p:cxnSp>
+        <p:nvCxnSpPr>
+          <p:cNvPr id="112" name="Elbow Connector 111"/>
+          <p:cNvCxnSpPr>
+            <a:endCxn id="37" idx="1"/>
+          </p:cNvCxnSpPr>
+          <p:nvPr/>
+        </p:nvCxnSpPr>
+        <p:spPr>
+          <a:xfrm>
+            <a:off x="5415616" y="4069923"/>
+            <a:ext cx="686803" cy="3330"/>
+          </a:xfrm>
+          <a:prstGeom prst="bentConnector3">
+            <a:avLst>
+              <a:gd name="adj1" fmla="val 50000"/>
+            </a:avLst>
+          </a:prstGeom>
+          <a:ln w="19050">
+            <a:solidFill>
+              <a:schemeClr val="accent3"/>
+            </a:solidFill>
+            <a:headEnd type="none" w="med" len="med"/>
+            <a:tailEnd type="arrow" w="med" len="med"/>
+          </a:ln>
+          <a:effectLst/>
+        </p:spPr>
+        <p:style>
+          <a:lnRef idx="1">
+            <a:schemeClr val="accent2"/>
+          </a:lnRef>
+          <a:fillRef idx="2">
+            <a:schemeClr val="accent2"/>
+          </a:fillRef>
+          <a:effectRef idx="1">
+            <a:schemeClr val="accent2"/>
+          </a:effectRef>
+          <a:fontRef idx="minor">
+            <a:schemeClr val="dk1"/>
+          </a:fontRef>
+        </p:style>
+      </p:cxnSp>
+      <p:sp>
+        <p:nvSpPr>
+          <p:cNvPr id="123" name="Rectangle 122"/>
+          <p:cNvSpPr/>
+          <p:nvPr/>
+        </p:nvSpPr>
+        <p:spPr>
+          <a:xfrm>
+            <a:off x="5421784" y="3975582"/>
+            <a:ext cx="229325" cy="166560"/>
+          </a:xfrm>
+          <a:prstGeom prst="rect">
+            <a:avLst/>
+          </a:prstGeom>
+          <a:solidFill>
+            <a:schemeClr val="accent3">
+              <a:lumMod val="20000"/>
+              <a:lumOff val="80000"/>
+              <a:alpha val="80000"/>
+            </a:schemeClr>
+          </a:solidFill>
+          <a:ln>
+            <a:noFill/>
+          </a:ln>
+          <a:effectLst>
+            <a:softEdge rad="31750"/>
+          </a:effectLst>
+        </p:spPr>
+        <p:style>
+          <a:lnRef idx="2">
+            <a:schemeClr val="accent1">
+              <a:shade val="50000"/>
+            </a:schemeClr>
+          </a:lnRef>
+          <a:fillRef idx="1">
+            <a:schemeClr val="accent1"/>
+          </a:fillRef>
+          <a:effectRef idx="0">
+            <a:schemeClr val="accent1"/>
+          </a:effectRef>
+          <a:fontRef idx="minor">
+            <a:schemeClr val="lt1"/>
+          </a:fontRef>
+        </p:style>
+        <p:txBody>
+          <a:bodyPr rtlCol="0" anchor="ctr"/>
+          <a:lstStyle/>
+          <a:p>
+            <a:pPr algn="ctr"/>
             <a:endParaRPr lang="en-SG"/>
           </a:p>
         </p:txBody>
       </p:sp>
+      <p:cxnSp>
+        <p:nvCxnSpPr>
+          <p:cNvPr id="125" name="Elbow Connector 124"/>
+          <p:cNvCxnSpPr>
+            <a:stCxn id="34" idx="3"/>
+            <a:endCxn id="37" idx="1"/>
+          </p:cNvCxnSpPr>
+          <p:nvPr/>
+        </p:nvCxnSpPr>
+        <p:spPr>
+          <a:xfrm>
+            <a:off x="5078070" y="3822254"/>
+            <a:ext cx="1024349" cy="250999"/>
+          </a:xfrm>
+          <a:prstGeom prst="bentConnector3">
+            <a:avLst>
+              <a:gd name="adj1" fmla="val 50000"/>
+            </a:avLst>
+          </a:prstGeom>
+          <a:ln w="19050">
+            <a:solidFill>
+              <a:schemeClr val="accent3"/>
+            </a:solidFill>
+            <a:headEnd type="none" w="med" len="med"/>
+            <a:tailEnd type="arrow" w="med" len="med"/>
+          </a:ln>
+          <a:effectLst/>
+        </p:spPr>
+        <p:style>
+          <a:lnRef idx="1">
+            <a:schemeClr val="accent2"/>
+          </a:lnRef>
+          <a:fillRef idx="2">
+            <a:schemeClr val="accent2"/>
+          </a:fillRef>
+          <a:effectRef idx="1">
+            <a:schemeClr val="accent2"/>
+          </a:effectRef>
+          <a:fontRef idx="minor">
+            <a:schemeClr val="dk1"/>
+          </a:fontRef>
+        </p:style>
+      </p:cxnSp>
+      <p:sp>
+        <p:nvSpPr>
+          <p:cNvPr id="133" name="Rectangle 62"/>
+          <p:cNvSpPr/>
+          <p:nvPr/>
+        </p:nvSpPr>
+        <p:spPr>
+          <a:xfrm>
+            <a:off x="3340087" y="2599727"/>
+            <a:ext cx="1410784" cy="270031"/>
+          </a:xfrm>
+          <a:prstGeom prst="rect">
+            <a:avLst/>
+          </a:prstGeom>
+          <a:solidFill>
+            <a:srgbClr val="00B050"/>
+          </a:solidFill>
+          <a:ln w="19050">
+            <a:solidFill>
+              <a:srgbClr val="00B050"/>
+            </a:solidFill>
+          </a:ln>
+          <a:effectLst/>
+        </p:spPr>
+        <p:style>
+          <a:lnRef idx="1">
+            <a:schemeClr val="accent2"/>
+          </a:lnRef>
+          <a:fillRef idx="2">
+            <a:schemeClr val="accent2"/>
+          </a:fillRef>
+          <a:effectRef idx="1">
+            <a:schemeClr val="accent2"/>
+          </a:effectRef>
+          <a:fontRef idx="minor">
+            <a:schemeClr val="dk1"/>
+          </a:fontRef>
+        </p:style>
+        <p:txBody>
+          <a:bodyPr rtlCol="0" anchor="ctr"/>
+          <a:lstStyle/>
+          <a:p>
+            <a:pPr algn="ctr"/>
+            <a:r>
+              <a:rPr lang="en-US" altLang="zh-CN" sz="1050" dirty="0" err="1">
+                <a:solidFill>
+                  <a:schemeClr val="bg1"/>
+                </a:solidFill>
+              </a:rPr>
+              <a:t>CommandBoxHistory</a:t>
+            </a:r>
+            <a:endParaRPr lang="en-SG" sz="1050" dirty="0">
+              <a:solidFill>
+                <a:schemeClr val="bg1"/>
+              </a:solidFill>
+            </a:endParaRPr>
+          </a:p>
+        </p:txBody>
+      </p:sp>
+      <p:cxnSp>
+        <p:nvCxnSpPr>
+          <p:cNvPr id="134" name="Elbow Connector 133"/>
+          <p:cNvCxnSpPr>
+            <a:stCxn id="3" idx="0"/>
+            <a:endCxn id="133" idx="1"/>
+          </p:cNvCxnSpPr>
+          <p:nvPr/>
+        </p:nvCxnSpPr>
+        <p:spPr>
+          <a:xfrm rot="5400000" flipH="1" flipV="1">
+            <a:off x="3017508" y="2856582"/>
+            <a:ext cx="444417" cy="200741"/>
+          </a:xfrm>
+          <a:prstGeom prst="bentConnector2">
+            <a:avLst/>
+          </a:prstGeom>
+          <a:ln w="19050">
+            <a:solidFill>
+              <a:srgbClr val="00B050"/>
+            </a:solidFill>
+            <a:prstDash val="solid"/>
+            <a:headEnd type="none" w="med" len="med"/>
+            <a:tailEnd type="arrow" w="med" len="med"/>
+          </a:ln>
+          <a:effectLst/>
+        </p:spPr>
+        <p:style>
+          <a:lnRef idx="1">
+            <a:schemeClr val="accent2"/>
+          </a:lnRef>
+          <a:fillRef idx="2">
+            <a:schemeClr val="accent2"/>
+          </a:fillRef>
+          <a:effectRef idx="1">
+            <a:schemeClr val="accent2"/>
+          </a:effectRef>
+          <a:fontRef idx="minor">
+            <a:schemeClr val="dk1"/>
+          </a:fontRef>
+        </p:style>
+      </p:cxnSp>
     </p:spTree>
     <p:extLst>
       <p:ext uri="{BB962C8B-B14F-4D97-AF65-F5344CB8AC3E}">
